--- a/LCTN/B1910143_NguyenChienThang.pptx
+++ b/LCTN/B1910143_NguyenChienThang.pptx
@@ -28420,8 +28420,8 @@
         </p:nvSpPr>
         <p:spPr>
           <a:xfrm>
-            <a:off x="6110725" y="3681450"/>
-            <a:ext cx="2756100" cy="757200"/>
+            <a:off x="6110725" y="3681449"/>
+            <a:ext cx="2756100" cy="955977"/>
           </a:xfrm>
           <a:prstGeom prst="rect">
             <a:avLst/>
@@ -28621,7 +28621,39 @@
                 <a:latin typeface="Times New Roman" panose="02020603050405020304" pitchFamily="18" charset="0"/>
                 <a:cs typeface="Times New Roman" panose="02020603050405020304" pitchFamily="18" charset="0"/>
               </a:rPr>
-              <a:t>MSSV: B1910143</a:t>
+              <a:t>MSSV: </a:t>
+            </a:r>
+            <a:r>
+              <a:rPr lang="en-US" dirty="0" smtClean="0">
+                <a:latin typeface="Times New Roman" panose="02020603050405020304" pitchFamily="18" charset="0"/>
+                <a:cs typeface="Times New Roman" panose="02020603050405020304" pitchFamily="18" charset="0"/>
+              </a:rPr>
+              <a:t>B1910143</a:t>
+            </a:r>
+          </a:p>
+          <a:p>
+            <a:pPr marL="0" lvl="0" indent="0" algn="l" rtl="0">
+              <a:spcBef>
+                <a:spcPts val="0"/>
+              </a:spcBef>
+              <a:spcAft>
+                <a:spcPts val="0"/>
+              </a:spcAft>
+              <a:buNone/>
+            </a:pPr>
+            <a:r>
+              <a:rPr lang="en-US" dirty="0" err="1" smtClean="0">
+                <a:latin typeface="Times New Roman" panose="02020603050405020304" pitchFamily="18" charset="0"/>
+                <a:cs typeface="Times New Roman" panose="02020603050405020304" pitchFamily="18" charset="0"/>
+              </a:rPr>
+              <a:t>Lớp</a:t>
+            </a:r>
+            <a:r>
+              <a:rPr lang="en-US" dirty="0" smtClean="0">
+                <a:latin typeface="Times New Roman" panose="02020603050405020304" pitchFamily="18" charset="0"/>
+                <a:cs typeface="Times New Roman" panose="02020603050405020304" pitchFamily="18" charset="0"/>
+              </a:rPr>
+              <a:t>: DI19V7A6</a:t>
             </a:r>
             <a:endParaRPr dirty="0">
               <a:latin typeface="Times New Roman" panose="02020603050405020304" pitchFamily="18" charset="0"/>
@@ -28975,6 +29007,13 @@
   <p:clrMapOvr>
     <a:masterClrMapping/>
   </p:clrMapOvr>
+  <p:timing>
+    <p:tnLst>
+      <p:par>
+        <p:cTn id="1" dur="indefinite" restart="never" nodeType="tmRoot"/>
+      </p:par>
+    </p:tnLst>
+  </p:timing>
 </p:sld>
 </file>
 
@@ -29244,6 +29283,13 @@
   <p:clrMapOvr>
     <a:masterClrMapping/>
   </p:clrMapOvr>
+  <p:timing>
+    <p:tnLst>
+      <p:par>
+        <p:cTn id="1" dur="indefinite" restart="never" nodeType="tmRoot"/>
+      </p:par>
+    </p:tnLst>
+  </p:timing>
 </p:sld>
 </file>
 
@@ -29463,7 +29509,6 @@
               <a:rPr lang="en-US" sz="2000" dirty="0" smtClean="0"/>
               <a:t>.</a:t>
             </a:r>
-            <a:endParaRPr lang="en-US" sz="2000" dirty="0" smtClean="0"/>
           </a:p>
           <a:p>
             <a:pPr>
@@ -29539,7 +29584,6 @@
               <a:rPr lang="en-US" sz="1800" dirty="0" smtClean="0"/>
               <a:t>.</a:t>
             </a:r>
-            <a:endParaRPr lang="en-US" sz="1800" dirty="0" smtClean="0"/>
           </a:p>
           <a:p>
             <a:pPr>
@@ -29635,7 +29679,6 @@
               <a:rPr lang="en-US" sz="1800" dirty="0" smtClean="0"/>
               <a:t>.</a:t>
             </a:r>
-            <a:endParaRPr lang="en-US" sz="1800" dirty="0" smtClean="0"/>
           </a:p>
           <a:p>
             <a:pPr marL="114300" indent="0">
@@ -30140,6 +30183,13 @@
   <p:clrMapOvr>
     <a:masterClrMapping/>
   </p:clrMapOvr>
+  <p:timing>
+    <p:tnLst>
+      <p:par>
+        <p:cTn id="1" dur="indefinite" restart="never" nodeType="tmRoot"/>
+      </p:par>
+    </p:tnLst>
+  </p:timing>
 </p:sld>
 </file>
 
@@ -30367,6 +30417,13 @@
   <p:clrMapOvr>
     <a:masterClrMapping/>
   </p:clrMapOvr>
+  <p:timing>
+    <p:tnLst>
+      <p:par>
+        <p:cTn id="1" dur="indefinite" restart="never" nodeType="tmRoot"/>
+      </p:par>
+    </p:tnLst>
+  </p:timing>
 </p:sld>
 </file>
 
@@ -31195,6 +31252,13 @@
   <p:clrMapOvr>
     <a:masterClrMapping/>
   </p:clrMapOvr>
+  <p:timing>
+    <p:tnLst>
+      <p:par>
+        <p:cTn id="1" dur="indefinite" restart="never" nodeType="tmRoot"/>
+      </p:par>
+    </p:tnLst>
+  </p:timing>
 </p:sld>
 </file>
 
@@ -31550,48 +31614,6 @@
                 <a:latin typeface="Times New Roman" panose="02020603050405020304" pitchFamily="18" charset="0"/>
                 <a:cs typeface="Times New Roman" panose="02020603050405020304" pitchFamily="18" charset="0"/>
               </a:rPr>
-              <a:t>với</a:t>
-            </a:r>
-            <a:r>
-              <a:rPr lang="en-US" sz="2000" dirty="0" smtClean="0">
-                <a:latin typeface="Times New Roman" panose="02020603050405020304" pitchFamily="18" charset="0"/>
-                <a:cs typeface="Times New Roman" panose="02020603050405020304" pitchFamily="18" charset="0"/>
-              </a:rPr>
-              <a:t> </a:t>
-            </a:r>
-            <a:r>
-              <a:rPr lang="en-US" sz="2000" dirty="0" err="1" smtClean="0">
-                <a:latin typeface="Times New Roman" panose="02020603050405020304" pitchFamily="18" charset="0"/>
-                <a:cs typeface="Times New Roman" panose="02020603050405020304" pitchFamily="18" charset="0"/>
-              </a:rPr>
-              <a:t>người</a:t>
-            </a:r>
-            <a:r>
-              <a:rPr lang="en-US" sz="2000" dirty="0" smtClean="0">
-                <a:latin typeface="Times New Roman" panose="02020603050405020304" pitchFamily="18" charset="0"/>
-                <a:cs typeface="Times New Roman" panose="02020603050405020304" pitchFamily="18" charset="0"/>
-              </a:rPr>
-              <a:t> </a:t>
-            </a:r>
-            <a:r>
-              <a:rPr lang="en-US" sz="2000" dirty="0" err="1" smtClean="0">
-                <a:latin typeface="Times New Roman" panose="02020603050405020304" pitchFamily="18" charset="0"/>
-                <a:cs typeface="Times New Roman" panose="02020603050405020304" pitchFamily="18" charset="0"/>
-              </a:rPr>
-              <a:t>dùng</a:t>
-            </a:r>
-            <a:r>
-              <a:rPr lang="en-US" sz="2000" dirty="0" smtClean="0">
-                <a:latin typeface="Times New Roman" panose="02020603050405020304" pitchFamily="18" charset="0"/>
-                <a:cs typeface="Times New Roman" panose="02020603050405020304" pitchFamily="18" charset="0"/>
-              </a:rPr>
-              <a:t> </a:t>
-            </a:r>
-            <a:r>
-              <a:rPr lang="en-US" sz="2000" dirty="0" err="1" smtClean="0">
-                <a:latin typeface="Times New Roman" panose="02020603050405020304" pitchFamily="18" charset="0"/>
-                <a:cs typeface="Times New Roman" panose="02020603050405020304" pitchFamily="18" charset="0"/>
-              </a:rPr>
               <a:t>chưa</a:t>
             </a:r>
             <a:r>
@@ -32166,6 +32188,13 @@
   <p:clrMapOvr>
     <a:masterClrMapping/>
   </p:clrMapOvr>
+  <p:timing>
+    <p:tnLst>
+      <p:par>
+        <p:cTn id="1" dur="indefinite" restart="never" nodeType="tmRoot"/>
+      </p:par>
+    </p:tnLst>
+  </p:timing>
 </p:sld>
 </file>
 
@@ -33166,15 +33195,7 @@
                   <a:schemeClr val="tx1"/>
                 </a:solidFill>
               </a:rPr>
-              <a:t>c</a:t>
-            </a:r>
-            <a:r>
-              <a:rPr lang="en-US" sz="2000" dirty="0" smtClean="0">
-                <a:solidFill>
-                  <a:schemeClr val="tx1"/>
-                </a:solidFill>
-              </a:rPr>
-              <a:t>.</a:t>
+              <a:t>c.</a:t>
             </a:r>
           </a:p>
         </p:txBody>
@@ -33221,6 +33242,13 @@
   <p:clrMapOvr>
     <a:masterClrMapping/>
   </p:clrMapOvr>
+  <p:timing>
+    <p:tnLst>
+      <p:par>
+        <p:cTn id="1" dur="indefinite" restart="never" nodeType="tmRoot"/>
+      </p:par>
+    </p:tnLst>
+  </p:timing>
 </p:sld>
 </file>
 
@@ -33602,6 +33630,13 @@
   <p:clrMapOvr>
     <a:masterClrMapping/>
   </p:clrMapOvr>
+  <p:timing>
+    <p:tnLst>
+      <p:par>
+        <p:cTn id="1" dur="indefinite" restart="never" nodeType="tmRoot"/>
+      </p:par>
+    </p:tnLst>
+  </p:timing>
 </p:sld>
 </file>
 
@@ -34042,6 +34077,13 @@
   <p:clrMapOvr>
     <a:masterClrMapping/>
   </p:clrMapOvr>
+  <p:timing>
+    <p:tnLst>
+      <p:par>
+        <p:cTn id="1" dur="indefinite" restart="never" nodeType="tmRoot"/>
+      </p:par>
+    </p:tnLst>
+  </p:timing>
 </p:sld>
 </file>
 
@@ -34302,6 +34344,13 @@
   <p:clrMapOvr>
     <a:masterClrMapping/>
   </p:clrMapOvr>
+  <p:timing>
+    <p:tnLst>
+      <p:par>
+        <p:cTn id="1" dur="indefinite" restart="never" nodeType="tmRoot"/>
+      </p:par>
+    </p:tnLst>
+  </p:timing>
 </p:sld>
 </file>
 
@@ -34566,6 +34615,13 @@
   <p:clrMapOvr>
     <a:masterClrMapping/>
   </p:clrMapOvr>
+  <p:timing>
+    <p:tnLst>
+      <p:par>
+        <p:cTn id="1" dur="indefinite" restart="never" nodeType="tmRoot"/>
+      </p:par>
+    </p:tnLst>
+  </p:timing>
 </p:sld>
 </file>
 
@@ -34841,6 +34897,13 @@
   <p:clrMapOvr>
     <a:masterClrMapping/>
   </p:clrMapOvr>
+  <p:timing>
+    <p:tnLst>
+      <p:par>
+        <p:cTn id="1" dur="indefinite" restart="never" nodeType="tmRoot"/>
+      </p:par>
+    </p:tnLst>
+  </p:timing>
 </p:sld>
 </file>
 
